--- a/Diagram.pptx
+++ b/Diagram.pptx
@@ -106,7 +106,7 @@
   </p:defaultTextStyle>
   <p:extLst>
     <p:ext uri="{EFAFB233-063F-42B5-8137-9DF3F51BA10A}">
-      <p15:sldGuideLst xmlns:p15="http://schemas.microsoft.com/office/powerpoint/2012/main"/>
+      <p15:sldGuideLst xmlns:p15="http://schemas.microsoft.com/office/powerpoint/2012/main" xmlns=""/>
     </p:ext>
   </p:extLst>
 </p:presentation>
@@ -243,7 +243,7 @@
           <a:p>
             <a:fld id="{BD646CEF-A135-477C-9D57-A139E7870D43}" type="datetimeFigureOut">
               <a:rPr lang="en-US" smtClean="0"/>
-              <a:t>4/29/2015</a:t>
+              <a:t>5/12/2015</a:t>
             </a:fld>
             <a:endParaRPr lang="en-US"/>
           </a:p>
@@ -413,7 +413,7 @@
           <a:p>
             <a:fld id="{BD646CEF-A135-477C-9D57-A139E7870D43}" type="datetimeFigureOut">
               <a:rPr lang="en-US" smtClean="0"/>
-              <a:t>4/29/2015</a:t>
+              <a:t>5/12/2015</a:t>
             </a:fld>
             <a:endParaRPr lang="en-US"/>
           </a:p>
@@ -593,7 +593,7 @@
           <a:p>
             <a:fld id="{BD646CEF-A135-477C-9D57-A139E7870D43}" type="datetimeFigureOut">
               <a:rPr lang="en-US" smtClean="0"/>
-              <a:t>4/29/2015</a:t>
+              <a:t>5/12/2015</a:t>
             </a:fld>
             <a:endParaRPr lang="en-US"/>
           </a:p>
@@ -763,7 +763,7 @@
           <a:p>
             <a:fld id="{BD646CEF-A135-477C-9D57-A139E7870D43}" type="datetimeFigureOut">
               <a:rPr lang="en-US" smtClean="0"/>
-              <a:t>4/29/2015</a:t>
+              <a:t>5/12/2015</a:t>
             </a:fld>
             <a:endParaRPr lang="en-US"/>
           </a:p>
@@ -1009,7 +1009,7 @@
           <a:p>
             <a:fld id="{BD646CEF-A135-477C-9D57-A139E7870D43}" type="datetimeFigureOut">
               <a:rPr lang="en-US" smtClean="0"/>
-              <a:t>4/29/2015</a:t>
+              <a:t>5/12/2015</a:t>
             </a:fld>
             <a:endParaRPr lang="en-US"/>
           </a:p>
@@ -1241,7 +1241,7 @@
           <a:p>
             <a:fld id="{BD646CEF-A135-477C-9D57-A139E7870D43}" type="datetimeFigureOut">
               <a:rPr lang="en-US" smtClean="0"/>
-              <a:t>4/29/2015</a:t>
+              <a:t>5/12/2015</a:t>
             </a:fld>
             <a:endParaRPr lang="en-US"/>
           </a:p>
@@ -1608,7 +1608,7 @@
           <a:p>
             <a:fld id="{BD646CEF-A135-477C-9D57-A139E7870D43}" type="datetimeFigureOut">
               <a:rPr lang="en-US" smtClean="0"/>
-              <a:t>4/29/2015</a:t>
+              <a:t>5/12/2015</a:t>
             </a:fld>
             <a:endParaRPr lang="en-US"/>
           </a:p>
@@ -1726,7 +1726,7 @@
           <a:p>
             <a:fld id="{BD646CEF-A135-477C-9D57-A139E7870D43}" type="datetimeFigureOut">
               <a:rPr lang="en-US" smtClean="0"/>
-              <a:t>4/29/2015</a:t>
+              <a:t>5/12/2015</a:t>
             </a:fld>
             <a:endParaRPr lang="en-US"/>
           </a:p>
@@ -1821,7 +1821,7 @@
           <a:p>
             <a:fld id="{BD646CEF-A135-477C-9D57-A139E7870D43}" type="datetimeFigureOut">
               <a:rPr lang="en-US" smtClean="0"/>
-              <a:t>4/29/2015</a:t>
+              <a:t>5/12/2015</a:t>
             </a:fld>
             <a:endParaRPr lang="en-US"/>
           </a:p>
@@ -2098,7 +2098,7 @@
           <a:p>
             <a:fld id="{BD646CEF-A135-477C-9D57-A139E7870D43}" type="datetimeFigureOut">
               <a:rPr lang="en-US" smtClean="0"/>
-              <a:t>4/29/2015</a:t>
+              <a:t>5/12/2015</a:t>
             </a:fld>
             <a:endParaRPr lang="en-US"/>
           </a:p>
@@ -2351,7 +2351,7 @@
           <a:p>
             <a:fld id="{BD646CEF-A135-477C-9D57-A139E7870D43}" type="datetimeFigureOut">
               <a:rPr lang="en-US" smtClean="0"/>
-              <a:t>4/29/2015</a:t>
+              <a:t>5/12/2015</a:t>
             </a:fld>
             <a:endParaRPr lang="en-US"/>
           </a:p>
@@ -2564,7 +2564,7 @@
           <a:p>
             <a:fld id="{BD646CEF-A135-477C-9D57-A139E7870D43}" type="datetimeFigureOut">
               <a:rPr lang="en-US" smtClean="0"/>
-              <a:t>4/29/2015</a:t>
+              <a:t>5/12/2015</a:t>
             </a:fld>
             <a:endParaRPr lang="en-US"/>
           </a:p>
@@ -2993,9 +2993,680 @@
           </a:prstGeom>
         </p:spPr>
       </p:pic>
+      <p:sp>
+        <p:nvSpPr>
+          <p:cNvPr id="6" name="Rectangle 5"/>
+          <p:cNvSpPr/>
+          <p:nvPr/>
+        </p:nvSpPr>
+        <p:spPr>
+          <a:xfrm>
+            <a:off x="3469289" y="1059951"/>
+            <a:ext cx="1733265" cy="777923"/>
+          </a:xfrm>
+          <a:prstGeom prst="rect">
+            <a:avLst/>
+          </a:prstGeom>
+          <a:solidFill>
+            <a:schemeClr val="accent1">
+              <a:lumMod val="60000"/>
+              <a:lumOff val="40000"/>
+            </a:schemeClr>
+          </a:solidFill>
+        </p:spPr>
+        <p:style>
+          <a:lnRef idx="2">
+            <a:schemeClr val="accent1">
+              <a:shade val="50000"/>
+            </a:schemeClr>
+          </a:lnRef>
+          <a:fillRef idx="1">
+            <a:schemeClr val="accent1"/>
+          </a:fillRef>
+          <a:effectRef idx="0">
+            <a:schemeClr val="accent1"/>
+          </a:effectRef>
+          <a:fontRef idx="minor">
+            <a:schemeClr val="lt1"/>
+          </a:fontRef>
+        </p:style>
+        <p:txBody>
+          <a:bodyPr rtlCol="0" anchor="ctr"/>
+          <a:lstStyle/>
+          <a:p>
+            <a:r>
+              <a:rPr lang="en-US" sz="1200" dirty="0" smtClean="0"/>
+              <a:t>Video frame</a:t>
+            </a:r>
+            <a:endParaRPr lang="en-US" sz="1200" dirty="0"/>
+          </a:p>
+        </p:txBody>
+      </p:sp>
+      <p:sp>
+        <p:nvSpPr>
+          <p:cNvPr id="11" name="Rectangle 10"/>
+          <p:cNvSpPr/>
+          <p:nvPr/>
+        </p:nvSpPr>
+        <p:spPr>
+          <a:xfrm>
+            <a:off x="4047575" y="765288"/>
+            <a:ext cx="1733265" cy="777923"/>
+          </a:xfrm>
+          <a:prstGeom prst="rect">
+            <a:avLst/>
+          </a:prstGeom>
+          <a:solidFill>
+            <a:schemeClr val="accent1">
+              <a:lumMod val="60000"/>
+              <a:lumOff val="40000"/>
+            </a:schemeClr>
+          </a:solidFill>
+        </p:spPr>
+        <p:style>
+          <a:lnRef idx="2">
+            <a:schemeClr val="accent1">
+              <a:shade val="50000"/>
+            </a:schemeClr>
+          </a:lnRef>
+          <a:fillRef idx="1">
+            <a:schemeClr val="accent1"/>
+          </a:fillRef>
+          <a:effectRef idx="0">
+            <a:schemeClr val="accent1"/>
+          </a:effectRef>
+          <a:fontRef idx="minor">
+            <a:schemeClr val="lt1"/>
+          </a:fontRef>
+        </p:style>
+        <p:txBody>
+          <a:bodyPr rtlCol="0" anchor="ctr"/>
+          <a:lstStyle/>
+          <a:p>
+            <a:r>
+              <a:rPr lang="en-US" sz="1200" dirty="0" smtClean="0"/>
+              <a:t>Video frame</a:t>
+            </a:r>
+            <a:endParaRPr lang="en-US" sz="1200" dirty="0"/>
+          </a:p>
+        </p:txBody>
+      </p:sp>
+      <p:sp>
+        <p:nvSpPr>
+          <p:cNvPr id="12" name="Rectangle 11"/>
+          <p:cNvSpPr/>
+          <p:nvPr/>
+        </p:nvSpPr>
+        <p:spPr>
+          <a:xfrm>
+            <a:off x="4587136" y="566812"/>
+            <a:ext cx="1733265" cy="777923"/>
+          </a:xfrm>
+          <a:prstGeom prst="rect">
+            <a:avLst/>
+          </a:prstGeom>
+          <a:solidFill>
+            <a:schemeClr val="accent1">
+              <a:lumMod val="60000"/>
+              <a:lumOff val="40000"/>
+            </a:schemeClr>
+          </a:solidFill>
+        </p:spPr>
+        <p:style>
+          <a:lnRef idx="2">
+            <a:schemeClr val="accent1">
+              <a:shade val="50000"/>
+            </a:schemeClr>
+          </a:lnRef>
+          <a:fillRef idx="1">
+            <a:schemeClr val="accent1"/>
+          </a:fillRef>
+          <a:effectRef idx="0">
+            <a:schemeClr val="accent1"/>
+          </a:effectRef>
+          <a:fontRef idx="minor">
+            <a:schemeClr val="lt1"/>
+          </a:fontRef>
+        </p:style>
+        <p:txBody>
+          <a:bodyPr rtlCol="0" anchor="ctr"/>
+          <a:lstStyle/>
+          <a:p>
+            <a:r>
+              <a:rPr lang="en-US" sz="1200" dirty="0" smtClean="0"/>
+              <a:t>Video frame</a:t>
+            </a:r>
+            <a:endParaRPr lang="en-US" sz="1200" dirty="0"/>
+          </a:p>
+        </p:txBody>
+      </p:sp>
+      <p:sp>
+        <p:nvSpPr>
+          <p:cNvPr id="13" name="Rectangle 12"/>
+          <p:cNvSpPr/>
+          <p:nvPr/>
+        </p:nvSpPr>
+        <p:spPr>
+          <a:xfrm>
+            <a:off x="5163106" y="332112"/>
+            <a:ext cx="1733265" cy="777923"/>
+          </a:xfrm>
+          <a:prstGeom prst="rect">
+            <a:avLst/>
+          </a:prstGeom>
+          <a:solidFill>
+            <a:schemeClr val="accent1">
+              <a:lumMod val="60000"/>
+              <a:lumOff val="40000"/>
+            </a:schemeClr>
+          </a:solidFill>
+        </p:spPr>
+        <p:style>
+          <a:lnRef idx="2">
+            <a:schemeClr val="accent1">
+              <a:shade val="50000"/>
+            </a:schemeClr>
+          </a:lnRef>
+          <a:fillRef idx="1">
+            <a:schemeClr val="accent1"/>
+          </a:fillRef>
+          <a:effectRef idx="0">
+            <a:schemeClr val="accent1"/>
+          </a:effectRef>
+          <a:fontRef idx="minor">
+            <a:schemeClr val="lt1"/>
+          </a:fontRef>
+        </p:style>
+        <p:txBody>
+          <a:bodyPr rtlCol="0" anchor="ctr"/>
+          <a:lstStyle/>
+          <a:p>
+            <a:pPr algn="ctr"/>
+            <a:endParaRPr lang="en-US"/>
+          </a:p>
+        </p:txBody>
+      </p:sp>
+      <p:sp>
+        <p:nvSpPr>
+          <p:cNvPr id="17" name="Rectangle 16"/>
+          <p:cNvSpPr/>
+          <p:nvPr/>
+        </p:nvSpPr>
+        <p:spPr>
+          <a:xfrm>
+            <a:off x="10636789" y="297317"/>
+            <a:ext cx="1306335" cy="728950"/>
+          </a:xfrm>
+          <a:prstGeom prst="rect">
+            <a:avLst/>
+          </a:prstGeom>
+        </p:spPr>
+        <p:style>
+          <a:lnRef idx="2">
+            <a:schemeClr val="accent1">
+              <a:shade val="50000"/>
+            </a:schemeClr>
+          </a:lnRef>
+          <a:fillRef idx="1">
+            <a:schemeClr val="accent1"/>
+          </a:fillRef>
+          <a:effectRef idx="0">
+            <a:schemeClr val="accent1"/>
+          </a:effectRef>
+          <a:fontRef idx="minor">
+            <a:schemeClr val="lt1"/>
+          </a:fontRef>
+        </p:style>
+        <p:txBody>
+          <a:bodyPr rtlCol="0" anchor="ctr"/>
+          <a:lstStyle/>
+          <a:p>
+            <a:pPr algn="ctr"/>
+            <a:r>
+              <a:rPr lang="en-US" dirty="0" smtClean="0"/>
+              <a:t>Set Global Reference </a:t>
+            </a:r>
+            <a:endParaRPr lang="en-US" dirty="0"/>
+          </a:p>
+        </p:txBody>
+      </p:sp>
+      <p:sp>
+        <p:nvSpPr>
+          <p:cNvPr id="18" name="Rectangle 17"/>
+          <p:cNvSpPr/>
+          <p:nvPr/>
+        </p:nvSpPr>
+        <p:spPr>
+          <a:xfrm>
+            <a:off x="366776" y="2802014"/>
+            <a:ext cx="1515379" cy="728950"/>
+          </a:xfrm>
+          <a:prstGeom prst="rect">
+            <a:avLst/>
+          </a:prstGeom>
+        </p:spPr>
+        <p:style>
+          <a:lnRef idx="2">
+            <a:schemeClr val="accent1">
+              <a:shade val="50000"/>
+            </a:schemeClr>
+          </a:lnRef>
+          <a:fillRef idx="1">
+            <a:schemeClr val="accent1"/>
+          </a:fillRef>
+          <a:effectRef idx="0">
+            <a:schemeClr val="accent1"/>
+          </a:effectRef>
+          <a:fontRef idx="minor">
+            <a:schemeClr val="lt1"/>
+          </a:fontRef>
+        </p:style>
+        <p:txBody>
+          <a:bodyPr rtlCol="0" anchor="ctr"/>
+          <a:lstStyle/>
+          <a:p>
+            <a:pPr algn="ctr"/>
+            <a:r>
+              <a:rPr lang="en-US" dirty="0"/>
+              <a:t>S</a:t>
+            </a:r>
+            <a:r>
+              <a:rPr lang="en-US" dirty="0" smtClean="0"/>
+              <a:t>tabilize </a:t>
+            </a:r>
+            <a:r>
+              <a:rPr lang="en-US" dirty="0" smtClean="0"/>
+              <a:t>image </a:t>
+            </a:r>
+            <a:endParaRPr lang="en-US" dirty="0"/>
+          </a:p>
+        </p:txBody>
+      </p:sp>
+      <p:sp>
+        <p:nvSpPr>
+          <p:cNvPr id="19" name="Rectangle 18"/>
+          <p:cNvSpPr/>
+          <p:nvPr/>
+        </p:nvSpPr>
+        <p:spPr>
+          <a:xfrm>
+            <a:off x="2813988" y="2802014"/>
+            <a:ext cx="1365776" cy="728950"/>
+          </a:xfrm>
+          <a:prstGeom prst="rect">
+            <a:avLst/>
+          </a:prstGeom>
+        </p:spPr>
+        <p:style>
+          <a:lnRef idx="2">
+            <a:schemeClr val="accent1">
+              <a:shade val="50000"/>
+            </a:schemeClr>
+          </a:lnRef>
+          <a:fillRef idx="1">
+            <a:schemeClr val="accent1"/>
+          </a:fillRef>
+          <a:effectRef idx="0">
+            <a:schemeClr val="accent1"/>
+          </a:effectRef>
+          <a:fontRef idx="minor">
+            <a:schemeClr val="lt1"/>
+          </a:fontRef>
+        </p:style>
+        <p:txBody>
+          <a:bodyPr rtlCol="0" anchor="ctr"/>
+          <a:lstStyle/>
+          <a:p>
+            <a:pPr algn="ctr"/>
+            <a:r>
+              <a:rPr lang="en-US" dirty="0" smtClean="0"/>
+              <a:t> “No-Hand” Mask</a:t>
+            </a:r>
+            <a:endParaRPr lang="en-US" dirty="0"/>
+          </a:p>
+        </p:txBody>
+      </p:sp>
+      <p:sp>
+        <p:nvSpPr>
+          <p:cNvPr id="20" name="Rectangle 19"/>
+          <p:cNvSpPr/>
+          <p:nvPr/>
+        </p:nvSpPr>
+        <p:spPr>
+          <a:xfrm>
+            <a:off x="5626169" y="2800300"/>
+            <a:ext cx="1403764" cy="728950"/>
+          </a:xfrm>
+          <a:prstGeom prst="rect">
+            <a:avLst/>
+          </a:prstGeom>
+        </p:spPr>
+        <p:style>
+          <a:lnRef idx="2">
+            <a:schemeClr val="accent1">
+              <a:shade val="50000"/>
+            </a:schemeClr>
+          </a:lnRef>
+          <a:fillRef idx="1">
+            <a:schemeClr val="accent1"/>
+          </a:fillRef>
+          <a:effectRef idx="0">
+            <a:schemeClr val="accent1"/>
+          </a:effectRef>
+          <a:fontRef idx="minor">
+            <a:schemeClr val="lt1"/>
+          </a:fontRef>
+        </p:style>
+        <p:txBody>
+          <a:bodyPr rtlCol="0" anchor="ctr"/>
+          <a:lstStyle/>
+          <a:p>
+            <a:pPr algn="ctr"/>
+            <a:r>
+              <a:rPr lang="en-US" dirty="0" smtClean="0"/>
+              <a:t>Windowed Differential</a:t>
+            </a:r>
+            <a:endParaRPr lang="en-US" dirty="0"/>
+          </a:p>
+        </p:txBody>
+      </p:sp>
+      <p:sp>
+        <p:nvSpPr>
+          <p:cNvPr id="21" name="Rectangle 20"/>
+          <p:cNvSpPr/>
+          <p:nvPr/>
+        </p:nvSpPr>
+        <p:spPr>
+          <a:xfrm>
+            <a:off x="1195827" y="4455674"/>
+            <a:ext cx="1354651" cy="728950"/>
+          </a:xfrm>
+          <a:prstGeom prst="rect">
+            <a:avLst/>
+          </a:prstGeom>
+        </p:spPr>
+        <p:style>
+          <a:lnRef idx="2">
+            <a:schemeClr val="accent1">
+              <a:shade val="50000"/>
+            </a:schemeClr>
+          </a:lnRef>
+          <a:fillRef idx="1">
+            <a:schemeClr val="accent1"/>
+          </a:fillRef>
+          <a:effectRef idx="0">
+            <a:schemeClr val="accent1"/>
+          </a:effectRef>
+          <a:fontRef idx="minor">
+            <a:schemeClr val="lt1"/>
+          </a:fontRef>
+        </p:style>
+        <p:txBody>
+          <a:bodyPr rtlCol="0" anchor="ctr"/>
+          <a:lstStyle/>
+          <a:p>
+            <a:pPr algn="ctr"/>
+            <a:r>
+              <a:rPr lang="en-US" dirty="0" smtClean="0"/>
+              <a:t>Find the key pressed</a:t>
+            </a:r>
+            <a:endParaRPr lang="en-US" dirty="0"/>
+          </a:p>
+        </p:txBody>
+      </p:sp>
+      <p:sp>
+        <p:nvSpPr>
+          <p:cNvPr id="28" name="Right Arrow 27"/>
+          <p:cNvSpPr/>
+          <p:nvPr/>
+        </p:nvSpPr>
+        <p:spPr>
+          <a:xfrm>
+            <a:off x="2792627" y="467297"/>
+            <a:ext cx="955125" cy="461319"/>
+          </a:xfrm>
+          <a:prstGeom prst="rightArrow">
+            <a:avLst/>
+          </a:prstGeom>
+        </p:spPr>
+        <p:style>
+          <a:lnRef idx="2">
+            <a:schemeClr val="accent1">
+              <a:shade val="50000"/>
+            </a:schemeClr>
+          </a:lnRef>
+          <a:fillRef idx="1">
+            <a:schemeClr val="accent1"/>
+          </a:fillRef>
+          <a:effectRef idx="0">
+            <a:schemeClr val="accent1"/>
+          </a:effectRef>
+          <a:fontRef idx="minor">
+            <a:schemeClr val="lt1"/>
+          </a:fontRef>
+        </p:style>
+        <p:txBody>
+          <a:bodyPr rtlCol="0" anchor="ctr"/>
+          <a:lstStyle/>
+          <a:p>
+            <a:pPr algn="ctr"/>
+            <a:endParaRPr lang="en-US"/>
+          </a:p>
+        </p:txBody>
+      </p:sp>
+      <p:sp>
+        <p:nvSpPr>
+          <p:cNvPr id="30" name="Down Arrow 29"/>
+          <p:cNvSpPr/>
+          <p:nvPr/>
+        </p:nvSpPr>
+        <p:spPr>
+          <a:xfrm rot="3645118">
+            <a:off x="2271901" y="1162780"/>
+            <a:ext cx="539347" cy="1886267"/>
+          </a:xfrm>
+          <a:prstGeom prst="downArrow">
+            <a:avLst/>
+          </a:prstGeom>
+          <a:solidFill>
+            <a:schemeClr val="accent2"/>
+          </a:solidFill>
+        </p:spPr>
+        <p:style>
+          <a:lnRef idx="2">
+            <a:schemeClr val="accent1">
+              <a:shade val="50000"/>
+            </a:schemeClr>
+          </a:lnRef>
+          <a:fillRef idx="1">
+            <a:schemeClr val="accent1"/>
+          </a:fillRef>
+          <a:effectRef idx="0">
+            <a:schemeClr val="accent1"/>
+          </a:effectRef>
+          <a:fontRef idx="minor">
+            <a:schemeClr val="lt1"/>
+          </a:fontRef>
+        </p:style>
+        <p:txBody>
+          <a:bodyPr vert="vert270" rtlCol="0" anchor="ctr"/>
+          <a:lstStyle/>
+          <a:p>
+            <a:pPr algn="ctr"/>
+            <a:r>
+              <a:rPr lang="en-US" dirty="0" smtClean="0"/>
+              <a:t>Each frame</a:t>
+            </a:r>
+            <a:endParaRPr lang="en-US" dirty="0"/>
+          </a:p>
+        </p:txBody>
+      </p:sp>
+      <p:sp>
+        <p:nvSpPr>
+          <p:cNvPr id="33" name="Right Arrow 32"/>
+          <p:cNvSpPr/>
+          <p:nvPr/>
+        </p:nvSpPr>
+        <p:spPr>
+          <a:xfrm>
+            <a:off x="2004828" y="3104112"/>
+            <a:ext cx="596204" cy="247136"/>
+          </a:xfrm>
+          <a:prstGeom prst="rightArrow">
+            <a:avLst/>
+          </a:prstGeom>
+        </p:spPr>
+        <p:style>
+          <a:lnRef idx="2">
+            <a:schemeClr val="accent1">
+              <a:shade val="50000"/>
+            </a:schemeClr>
+          </a:lnRef>
+          <a:fillRef idx="1">
+            <a:schemeClr val="accent1"/>
+          </a:fillRef>
+          <a:effectRef idx="0">
+            <a:schemeClr val="accent1"/>
+          </a:effectRef>
+          <a:fontRef idx="minor">
+            <a:schemeClr val="lt1"/>
+          </a:fontRef>
+        </p:style>
+        <p:txBody>
+          <a:bodyPr rtlCol="0" anchor="ctr"/>
+          <a:lstStyle/>
+          <a:p>
+            <a:pPr algn="ctr"/>
+            <a:endParaRPr lang="en-US"/>
+          </a:p>
+        </p:txBody>
+      </p:sp>
+      <p:sp>
+        <p:nvSpPr>
+          <p:cNvPr id="34" name="Right Arrow 33"/>
+          <p:cNvSpPr/>
+          <p:nvPr/>
+        </p:nvSpPr>
+        <p:spPr>
+          <a:xfrm rot="5400000">
+            <a:off x="10548402" y="4581460"/>
+            <a:ext cx="596204" cy="247136"/>
+          </a:xfrm>
+          <a:prstGeom prst="rightArrow">
+            <a:avLst/>
+          </a:prstGeom>
+          <a:solidFill>
+            <a:srgbClr val="92D050"/>
+          </a:solidFill>
+        </p:spPr>
+        <p:style>
+          <a:lnRef idx="2">
+            <a:schemeClr val="accent1">
+              <a:shade val="50000"/>
+            </a:schemeClr>
+          </a:lnRef>
+          <a:fillRef idx="1">
+            <a:schemeClr val="accent1"/>
+          </a:fillRef>
+          <a:effectRef idx="0">
+            <a:schemeClr val="accent1"/>
+          </a:effectRef>
+          <a:fontRef idx="minor">
+            <a:schemeClr val="lt1"/>
+          </a:fontRef>
+        </p:style>
+        <p:txBody>
+          <a:bodyPr rtlCol="0" anchor="ctr"/>
+          <a:lstStyle/>
+          <a:p>
+            <a:pPr algn="ctr"/>
+            <a:endParaRPr lang="en-US"/>
+          </a:p>
+        </p:txBody>
+      </p:sp>
+      <p:sp>
+        <p:nvSpPr>
+          <p:cNvPr id="35" name="Right Arrow 34"/>
+          <p:cNvSpPr/>
+          <p:nvPr/>
+        </p:nvSpPr>
+        <p:spPr>
+          <a:xfrm>
+            <a:off x="4468644" y="3112074"/>
+            <a:ext cx="891125" cy="247136"/>
+          </a:xfrm>
+          <a:prstGeom prst="rightArrow">
+            <a:avLst/>
+          </a:prstGeom>
+        </p:spPr>
+        <p:style>
+          <a:lnRef idx="2">
+            <a:schemeClr val="accent1">
+              <a:shade val="50000"/>
+            </a:schemeClr>
+          </a:lnRef>
+          <a:fillRef idx="1">
+            <a:schemeClr val="accent1"/>
+          </a:fillRef>
+          <a:effectRef idx="0">
+            <a:schemeClr val="accent1"/>
+          </a:effectRef>
+          <a:fontRef idx="minor">
+            <a:schemeClr val="lt1"/>
+          </a:fontRef>
+        </p:style>
+        <p:txBody>
+          <a:bodyPr rtlCol="0" anchor="ctr"/>
+          <a:lstStyle/>
+          <a:p>
+            <a:pPr algn="ctr"/>
+            <a:endParaRPr lang="en-US"/>
+          </a:p>
+        </p:txBody>
+      </p:sp>
+      <p:sp>
+        <p:nvSpPr>
+          <p:cNvPr id="36" name="Right Arrow 35"/>
+          <p:cNvSpPr/>
+          <p:nvPr/>
+        </p:nvSpPr>
+        <p:spPr>
+          <a:xfrm>
+            <a:off x="3214186" y="4744305"/>
+            <a:ext cx="1372949" cy="247136"/>
+          </a:xfrm>
+          <a:prstGeom prst="rightArrow">
+            <a:avLst/>
+          </a:prstGeom>
+        </p:spPr>
+        <p:style>
+          <a:lnRef idx="2">
+            <a:schemeClr val="accent1">
+              <a:shade val="50000"/>
+            </a:schemeClr>
+          </a:lnRef>
+          <a:fillRef idx="1">
+            <a:schemeClr val="accent1"/>
+          </a:fillRef>
+          <a:effectRef idx="0">
+            <a:schemeClr val="accent1"/>
+          </a:effectRef>
+          <a:fontRef idx="minor">
+            <a:schemeClr val="lt1"/>
+          </a:fontRef>
+        </p:style>
+        <p:txBody>
+          <a:bodyPr rtlCol="0" anchor="ctr"/>
+          <a:lstStyle/>
+          <a:p>
+            <a:pPr algn="ctr"/>
+            <a:endParaRPr lang="en-US"/>
+          </a:p>
+        </p:txBody>
+      </p:sp>
       <p:pic>
         <p:nvPicPr>
-          <p:cNvPr id="5" name="Picture 4"/>
+          <p:cNvPr id="43" name="Picture 42"/>
           <p:cNvPicPr>
             <a:picLocks noChangeAspect="1"/>
           </p:cNvPicPr>
@@ -3009,38 +3680,30 @@
         </p:blipFill>
         <p:spPr>
           <a:xfrm>
-            <a:off x="4791542" y="105127"/>
-            <a:ext cx="1535303" cy="1280833"/>
+            <a:off x="5219625" y="602497"/>
+            <a:ext cx="813089" cy="237151"/>
           </a:xfrm>
           <a:prstGeom prst="rect">
             <a:avLst/>
           </a:prstGeom>
-          <a:ln w="76200">
-            <a:solidFill>
-              <a:schemeClr val="accent1"/>
-            </a:solidFill>
-          </a:ln>
         </p:spPr>
       </p:pic>
       <p:sp>
         <p:nvSpPr>
-          <p:cNvPr id="6" name="Rectangle 5"/>
+          <p:cNvPr id="38" name="Rectangle 37"/>
           <p:cNvSpPr/>
           <p:nvPr/>
         </p:nvSpPr>
         <p:spPr>
           <a:xfrm>
-            <a:off x="1579188" y="1999642"/>
-            <a:ext cx="1733265" cy="777923"/>
+            <a:off x="10232784" y="5091916"/>
+            <a:ext cx="1120627" cy="728950"/>
           </a:xfrm>
           <a:prstGeom prst="rect">
             <a:avLst/>
           </a:prstGeom>
           <a:solidFill>
-            <a:schemeClr val="accent1">
-              <a:lumMod val="60000"/>
-              <a:lumOff val="40000"/>
-            </a:schemeClr>
+            <a:srgbClr val="00B050"/>
           </a:solidFill>
         </p:spPr>
         <p:style>
@@ -3063,34 +3726,29 @@
           <a:bodyPr rtlCol="0" anchor="ctr"/>
           <a:lstStyle/>
           <a:p>
-            <a:r>
-              <a:rPr lang="en-US" sz="1200" dirty="0" smtClean="0"/>
-              <a:t>Video frame</a:t>
-            </a:r>
-            <a:endParaRPr lang="en-US" sz="1200" dirty="0"/>
-          </a:p>
-        </p:txBody>
-      </p:sp>
-      <p:sp>
-        <p:nvSpPr>
-          <p:cNvPr id="11" name="Rectangle 10"/>
+            <a:pPr algn="ctr"/>
+            <a:r>
+              <a:rPr lang="en-US" dirty="0" smtClean="0"/>
+              <a:t>Playback the sound</a:t>
+            </a:r>
+            <a:endParaRPr lang="en-US" dirty="0"/>
+          </a:p>
+        </p:txBody>
+      </p:sp>
+      <p:sp>
+        <p:nvSpPr>
+          <p:cNvPr id="44" name="Rectangle 43"/>
           <p:cNvSpPr/>
           <p:nvPr/>
         </p:nvSpPr>
         <p:spPr>
           <a:xfrm>
-            <a:off x="2460034" y="2092014"/>
-            <a:ext cx="1733265" cy="777923"/>
+            <a:off x="790832" y="105127"/>
+            <a:ext cx="1667497" cy="226985"/>
           </a:xfrm>
           <a:prstGeom prst="rect">
             <a:avLst/>
           </a:prstGeom>
-          <a:solidFill>
-            <a:schemeClr val="accent1">
-              <a:lumMod val="60000"/>
-              <a:lumOff val="40000"/>
-            </a:schemeClr>
-          </a:solidFill>
         </p:spPr>
         <p:style>
           <a:lnRef idx="2">
@@ -3112,1088 +3770,6 @@
           <a:bodyPr rtlCol="0" anchor="ctr"/>
           <a:lstStyle/>
           <a:p>
-            <a:r>
-              <a:rPr lang="en-US" sz="1200" dirty="0" smtClean="0"/>
-              <a:t>Video frame</a:t>
-            </a:r>
-            <a:endParaRPr lang="en-US" sz="1200" dirty="0"/>
-          </a:p>
-        </p:txBody>
-      </p:sp>
-      <p:sp>
-        <p:nvSpPr>
-          <p:cNvPr id="12" name="Rectangle 11"/>
-          <p:cNvSpPr/>
-          <p:nvPr/>
-        </p:nvSpPr>
-        <p:spPr>
-          <a:xfrm>
-            <a:off x="3396319" y="2163791"/>
-            <a:ext cx="1733265" cy="777923"/>
-          </a:xfrm>
-          <a:prstGeom prst="rect">
-            <a:avLst/>
-          </a:prstGeom>
-          <a:solidFill>
-            <a:schemeClr val="accent1">
-              <a:lumMod val="60000"/>
-              <a:lumOff val="40000"/>
-            </a:schemeClr>
-          </a:solidFill>
-        </p:spPr>
-        <p:style>
-          <a:lnRef idx="2">
-            <a:schemeClr val="accent1">
-              <a:shade val="50000"/>
-            </a:schemeClr>
-          </a:lnRef>
-          <a:fillRef idx="1">
-            <a:schemeClr val="accent1"/>
-          </a:fillRef>
-          <a:effectRef idx="0">
-            <a:schemeClr val="accent1"/>
-          </a:effectRef>
-          <a:fontRef idx="minor">
-            <a:schemeClr val="lt1"/>
-          </a:fontRef>
-        </p:style>
-        <p:txBody>
-          <a:bodyPr rtlCol="0" anchor="ctr"/>
-          <a:lstStyle/>
-          <a:p>
-            <a:r>
-              <a:rPr lang="en-US" sz="1200" dirty="0" smtClean="0"/>
-              <a:t>Video frame</a:t>
-            </a:r>
-            <a:endParaRPr lang="en-US" sz="1200" dirty="0"/>
-          </a:p>
-        </p:txBody>
-      </p:sp>
-      <p:sp>
-        <p:nvSpPr>
-          <p:cNvPr id="13" name="Rectangle 12"/>
-          <p:cNvSpPr/>
-          <p:nvPr/>
-        </p:nvSpPr>
-        <p:spPr>
-          <a:xfrm>
-            <a:off x="4350845" y="2254239"/>
-            <a:ext cx="1733265" cy="777923"/>
-          </a:xfrm>
-          <a:prstGeom prst="rect">
-            <a:avLst/>
-          </a:prstGeom>
-          <a:solidFill>
-            <a:schemeClr val="accent1">
-              <a:lumMod val="60000"/>
-              <a:lumOff val="40000"/>
-            </a:schemeClr>
-          </a:solidFill>
-        </p:spPr>
-        <p:style>
-          <a:lnRef idx="2">
-            <a:schemeClr val="accent1">
-              <a:shade val="50000"/>
-            </a:schemeClr>
-          </a:lnRef>
-          <a:fillRef idx="1">
-            <a:schemeClr val="accent1"/>
-          </a:fillRef>
-          <a:effectRef idx="0">
-            <a:schemeClr val="accent1"/>
-          </a:effectRef>
-          <a:fontRef idx="minor">
-            <a:schemeClr val="lt1"/>
-          </a:fontRef>
-        </p:style>
-        <p:txBody>
-          <a:bodyPr rtlCol="0" anchor="ctr"/>
-          <a:lstStyle/>
-          <a:p>
-            <a:pPr algn="ctr"/>
-            <a:endParaRPr lang="en-US"/>
-          </a:p>
-        </p:txBody>
-      </p:sp>
-      <p:sp>
-        <p:nvSpPr>
-          <p:cNvPr id="14" name="Rectangle 13"/>
-          <p:cNvSpPr/>
-          <p:nvPr/>
-        </p:nvSpPr>
-        <p:spPr>
-          <a:xfrm>
-            <a:off x="5256979" y="2344419"/>
-            <a:ext cx="1733265" cy="777923"/>
-          </a:xfrm>
-          <a:prstGeom prst="rect">
-            <a:avLst/>
-          </a:prstGeom>
-          <a:solidFill>
-            <a:schemeClr val="accent1">
-              <a:lumMod val="60000"/>
-              <a:lumOff val="40000"/>
-            </a:schemeClr>
-          </a:solidFill>
-        </p:spPr>
-        <p:style>
-          <a:lnRef idx="2">
-            <a:schemeClr val="accent1">
-              <a:shade val="50000"/>
-            </a:schemeClr>
-          </a:lnRef>
-          <a:fillRef idx="1">
-            <a:schemeClr val="accent1"/>
-          </a:fillRef>
-          <a:effectRef idx="0">
-            <a:schemeClr val="accent1"/>
-          </a:effectRef>
-          <a:fontRef idx="minor">
-            <a:schemeClr val="lt1"/>
-          </a:fontRef>
-        </p:style>
-        <p:txBody>
-          <a:bodyPr rtlCol="0" anchor="ctr"/>
-          <a:lstStyle/>
-          <a:p>
-            <a:pPr algn="ctr"/>
-            <a:endParaRPr lang="en-US"/>
-          </a:p>
-        </p:txBody>
-      </p:sp>
-      <p:sp>
-        <p:nvSpPr>
-          <p:cNvPr id="15" name="Rectangle 14"/>
-          <p:cNvSpPr/>
-          <p:nvPr/>
-        </p:nvSpPr>
-        <p:spPr>
-          <a:xfrm>
-            <a:off x="6182780" y="2428137"/>
-            <a:ext cx="1733265" cy="777923"/>
-          </a:xfrm>
-          <a:prstGeom prst="rect">
-            <a:avLst/>
-          </a:prstGeom>
-          <a:solidFill>
-            <a:schemeClr val="accent1">
-              <a:lumMod val="60000"/>
-              <a:lumOff val="40000"/>
-            </a:schemeClr>
-          </a:solidFill>
-        </p:spPr>
-        <p:style>
-          <a:lnRef idx="2">
-            <a:schemeClr val="accent1">
-              <a:shade val="50000"/>
-            </a:schemeClr>
-          </a:lnRef>
-          <a:fillRef idx="1">
-            <a:schemeClr val="accent1"/>
-          </a:fillRef>
-          <a:effectRef idx="0">
-            <a:schemeClr val="accent1"/>
-          </a:effectRef>
-          <a:fontRef idx="minor">
-            <a:schemeClr val="lt1"/>
-          </a:fontRef>
-        </p:style>
-        <p:txBody>
-          <a:bodyPr rtlCol="0" anchor="ctr"/>
-          <a:lstStyle/>
-          <a:p>
-            <a:pPr algn="ctr"/>
-            <a:endParaRPr lang="en-US"/>
-          </a:p>
-        </p:txBody>
-      </p:sp>
-      <p:sp>
-        <p:nvSpPr>
-          <p:cNvPr id="17" name="Rectangle 16"/>
-          <p:cNvSpPr/>
-          <p:nvPr/>
-        </p:nvSpPr>
-        <p:spPr>
-          <a:xfrm>
-            <a:off x="398897" y="4204188"/>
-            <a:ext cx="1306335" cy="728950"/>
-          </a:xfrm>
-          <a:prstGeom prst="rect">
-            <a:avLst/>
-          </a:prstGeom>
-        </p:spPr>
-        <p:style>
-          <a:lnRef idx="2">
-            <a:schemeClr val="accent1">
-              <a:shade val="50000"/>
-            </a:schemeClr>
-          </a:lnRef>
-          <a:fillRef idx="1">
-            <a:schemeClr val="accent1"/>
-          </a:fillRef>
-          <a:effectRef idx="0">
-            <a:schemeClr val="accent1"/>
-          </a:effectRef>
-          <a:fontRef idx="minor">
-            <a:schemeClr val="lt1"/>
-          </a:fontRef>
-        </p:style>
-        <p:txBody>
-          <a:bodyPr rtlCol="0" anchor="ctr"/>
-          <a:lstStyle/>
-          <a:p>
-            <a:pPr algn="ctr"/>
-            <a:r>
-              <a:rPr lang="en-US" dirty="0" smtClean="0"/>
-              <a:t>Set Global Reference </a:t>
-            </a:r>
-            <a:endParaRPr lang="en-US" dirty="0"/>
-          </a:p>
-        </p:txBody>
-      </p:sp>
-      <p:sp>
-        <p:nvSpPr>
-          <p:cNvPr id="18" name="Rectangle 17"/>
-          <p:cNvSpPr/>
-          <p:nvPr/>
-        </p:nvSpPr>
-        <p:spPr>
-          <a:xfrm>
-            <a:off x="2458329" y="4204188"/>
-            <a:ext cx="1586449" cy="728950"/>
-          </a:xfrm>
-          <a:prstGeom prst="rect">
-            <a:avLst/>
-          </a:prstGeom>
-        </p:spPr>
-        <p:style>
-          <a:lnRef idx="2">
-            <a:schemeClr val="accent1">
-              <a:shade val="50000"/>
-            </a:schemeClr>
-          </a:lnRef>
-          <a:fillRef idx="1">
-            <a:schemeClr val="accent1"/>
-          </a:fillRef>
-          <a:effectRef idx="0">
-            <a:schemeClr val="accent1"/>
-          </a:effectRef>
-          <a:fontRef idx="minor">
-            <a:schemeClr val="lt1"/>
-          </a:fontRef>
-        </p:style>
-        <p:txBody>
-          <a:bodyPr rtlCol="0" anchor="ctr"/>
-          <a:lstStyle/>
-          <a:p>
-            <a:pPr algn="ctr"/>
-            <a:r>
-              <a:rPr lang="en-US" dirty="0" smtClean="0"/>
-              <a:t>Create new stabilize image </a:t>
-            </a:r>
-            <a:endParaRPr lang="en-US" dirty="0"/>
-          </a:p>
-        </p:txBody>
-      </p:sp>
-      <p:sp>
-        <p:nvSpPr>
-          <p:cNvPr id="19" name="Rectangle 18"/>
-          <p:cNvSpPr/>
-          <p:nvPr/>
-        </p:nvSpPr>
-        <p:spPr>
-          <a:xfrm>
-            <a:off x="4817005" y="4215554"/>
-            <a:ext cx="1365776" cy="728950"/>
-          </a:xfrm>
-          <a:prstGeom prst="rect">
-            <a:avLst/>
-          </a:prstGeom>
-        </p:spPr>
-        <p:style>
-          <a:lnRef idx="2">
-            <a:schemeClr val="accent1">
-              <a:shade val="50000"/>
-            </a:schemeClr>
-          </a:lnRef>
-          <a:fillRef idx="1">
-            <a:schemeClr val="accent1"/>
-          </a:fillRef>
-          <a:effectRef idx="0">
-            <a:schemeClr val="accent1"/>
-          </a:effectRef>
-          <a:fontRef idx="minor">
-            <a:schemeClr val="lt1"/>
-          </a:fontRef>
-        </p:style>
-        <p:txBody>
-          <a:bodyPr rtlCol="0" anchor="ctr"/>
-          <a:lstStyle/>
-          <a:p>
-            <a:pPr algn="ctr"/>
-            <a:r>
-              <a:rPr lang="en-US" dirty="0" smtClean="0"/>
-              <a:t>Create “No-Hand” Mask</a:t>
-            </a:r>
-            <a:endParaRPr lang="en-US" dirty="0"/>
-          </a:p>
-        </p:txBody>
-      </p:sp>
-      <p:sp>
-        <p:nvSpPr>
-          <p:cNvPr id="20" name="Rectangle 19"/>
-          <p:cNvSpPr/>
-          <p:nvPr/>
-        </p:nvSpPr>
-        <p:spPr>
-          <a:xfrm>
-            <a:off x="6920571" y="4215554"/>
-            <a:ext cx="1187068" cy="728950"/>
-          </a:xfrm>
-          <a:prstGeom prst="rect">
-            <a:avLst/>
-          </a:prstGeom>
-        </p:spPr>
-        <p:style>
-          <a:lnRef idx="2">
-            <a:schemeClr val="accent1">
-              <a:shade val="50000"/>
-            </a:schemeClr>
-          </a:lnRef>
-          <a:fillRef idx="1">
-            <a:schemeClr val="accent1"/>
-          </a:fillRef>
-          <a:effectRef idx="0">
-            <a:schemeClr val="accent1"/>
-          </a:effectRef>
-          <a:fontRef idx="minor">
-            <a:schemeClr val="lt1"/>
-          </a:fontRef>
-        </p:style>
-        <p:txBody>
-          <a:bodyPr rtlCol="0" anchor="ctr"/>
-          <a:lstStyle/>
-          <a:p>
-            <a:pPr algn="ctr"/>
-            <a:r>
-              <a:rPr lang="en-US" dirty="0" smtClean="0"/>
-              <a:t>Find the difference </a:t>
-            </a:r>
-            <a:endParaRPr lang="en-US" dirty="0"/>
-          </a:p>
-        </p:txBody>
-      </p:sp>
-      <p:sp>
-        <p:nvSpPr>
-          <p:cNvPr id="21" name="Rectangle 20"/>
-          <p:cNvSpPr/>
-          <p:nvPr/>
-        </p:nvSpPr>
-        <p:spPr>
-          <a:xfrm>
-            <a:off x="8909695" y="4215554"/>
-            <a:ext cx="1354651" cy="728950"/>
-          </a:xfrm>
-          <a:prstGeom prst="rect">
-            <a:avLst/>
-          </a:prstGeom>
-        </p:spPr>
-        <p:style>
-          <a:lnRef idx="2">
-            <a:schemeClr val="accent1">
-              <a:shade val="50000"/>
-            </a:schemeClr>
-          </a:lnRef>
-          <a:fillRef idx="1">
-            <a:schemeClr val="accent1"/>
-          </a:fillRef>
-          <a:effectRef idx="0">
-            <a:schemeClr val="accent1"/>
-          </a:effectRef>
-          <a:fontRef idx="minor">
-            <a:schemeClr val="lt1"/>
-          </a:fontRef>
-        </p:style>
-        <p:txBody>
-          <a:bodyPr rtlCol="0" anchor="ctr"/>
-          <a:lstStyle/>
-          <a:p>
-            <a:pPr algn="ctr"/>
-            <a:r>
-              <a:rPr lang="en-US" dirty="0" smtClean="0"/>
-              <a:t>Find the key pressed</a:t>
-            </a:r>
-            <a:endParaRPr lang="en-US" dirty="0"/>
-          </a:p>
-        </p:txBody>
-      </p:sp>
-      <p:sp>
-        <p:nvSpPr>
-          <p:cNvPr id="22" name="Rectangle 21"/>
-          <p:cNvSpPr/>
-          <p:nvPr/>
-        </p:nvSpPr>
-        <p:spPr>
-          <a:xfrm>
-            <a:off x="7115625" y="2504686"/>
-            <a:ext cx="1733265" cy="777923"/>
-          </a:xfrm>
-          <a:prstGeom prst="rect">
-            <a:avLst/>
-          </a:prstGeom>
-          <a:solidFill>
-            <a:schemeClr val="accent1">
-              <a:lumMod val="60000"/>
-              <a:lumOff val="40000"/>
-            </a:schemeClr>
-          </a:solidFill>
-        </p:spPr>
-        <p:style>
-          <a:lnRef idx="2">
-            <a:schemeClr val="accent1">
-              <a:shade val="50000"/>
-            </a:schemeClr>
-          </a:lnRef>
-          <a:fillRef idx="1">
-            <a:schemeClr val="accent1"/>
-          </a:fillRef>
-          <a:effectRef idx="0">
-            <a:schemeClr val="accent1"/>
-          </a:effectRef>
-          <a:fontRef idx="minor">
-            <a:schemeClr val="lt1"/>
-          </a:fontRef>
-        </p:style>
-        <p:txBody>
-          <a:bodyPr rtlCol="0" anchor="ctr"/>
-          <a:lstStyle/>
-          <a:p>
-            <a:pPr algn="ctr"/>
-            <a:endParaRPr lang="en-US"/>
-          </a:p>
-        </p:txBody>
-      </p:sp>
-      <p:sp>
-        <p:nvSpPr>
-          <p:cNvPr id="23" name="Rectangle 22"/>
-          <p:cNvSpPr/>
-          <p:nvPr/>
-        </p:nvSpPr>
-        <p:spPr>
-          <a:xfrm>
-            <a:off x="8107638" y="2591603"/>
-            <a:ext cx="1733265" cy="777923"/>
-          </a:xfrm>
-          <a:prstGeom prst="rect">
-            <a:avLst/>
-          </a:prstGeom>
-          <a:solidFill>
-            <a:schemeClr val="accent1">
-              <a:lumMod val="60000"/>
-              <a:lumOff val="40000"/>
-            </a:schemeClr>
-          </a:solidFill>
-        </p:spPr>
-        <p:style>
-          <a:lnRef idx="2">
-            <a:schemeClr val="accent1">
-              <a:shade val="50000"/>
-            </a:schemeClr>
-          </a:lnRef>
-          <a:fillRef idx="1">
-            <a:schemeClr val="accent1"/>
-          </a:fillRef>
-          <a:effectRef idx="0">
-            <a:schemeClr val="accent1"/>
-          </a:effectRef>
-          <a:fontRef idx="minor">
-            <a:schemeClr val="lt1"/>
-          </a:fontRef>
-        </p:style>
-        <p:txBody>
-          <a:bodyPr rtlCol="0" anchor="ctr"/>
-          <a:lstStyle/>
-          <a:p>
-            <a:pPr algn="ctr"/>
-            <a:endParaRPr lang="en-US"/>
-          </a:p>
-        </p:txBody>
-      </p:sp>
-      <p:sp>
-        <p:nvSpPr>
-          <p:cNvPr id="24" name="Rectangle 23"/>
-          <p:cNvSpPr/>
-          <p:nvPr/>
-        </p:nvSpPr>
-        <p:spPr>
-          <a:xfrm>
-            <a:off x="8974270" y="2678520"/>
-            <a:ext cx="1733265" cy="777923"/>
-          </a:xfrm>
-          <a:prstGeom prst="rect">
-            <a:avLst/>
-          </a:prstGeom>
-          <a:solidFill>
-            <a:schemeClr val="accent1">
-              <a:lumMod val="60000"/>
-              <a:lumOff val="40000"/>
-            </a:schemeClr>
-          </a:solidFill>
-        </p:spPr>
-        <p:style>
-          <a:lnRef idx="2">
-            <a:schemeClr val="accent1">
-              <a:shade val="50000"/>
-            </a:schemeClr>
-          </a:lnRef>
-          <a:fillRef idx="1">
-            <a:schemeClr val="accent1"/>
-          </a:fillRef>
-          <a:effectRef idx="0">
-            <a:schemeClr val="accent1"/>
-          </a:effectRef>
-          <a:fontRef idx="minor">
-            <a:schemeClr val="lt1"/>
-          </a:fontRef>
-        </p:style>
-        <p:txBody>
-          <a:bodyPr rtlCol="0" anchor="ctr"/>
-          <a:lstStyle/>
-          <a:p>
-            <a:r>
-              <a:rPr lang="en-US" sz="1200" dirty="0" smtClean="0"/>
-              <a:t>Video frame</a:t>
-            </a:r>
-            <a:endParaRPr lang="en-US" sz="1200" dirty="0"/>
-          </a:p>
-        </p:txBody>
-      </p:sp>
-      <p:sp>
-        <p:nvSpPr>
-          <p:cNvPr id="28" name="Right Arrow 27"/>
-          <p:cNvSpPr/>
-          <p:nvPr/>
-        </p:nvSpPr>
-        <p:spPr>
-          <a:xfrm>
-            <a:off x="2792627" y="543697"/>
-            <a:ext cx="1558218" cy="461319"/>
-          </a:xfrm>
-          <a:prstGeom prst="rightArrow">
-            <a:avLst/>
-          </a:prstGeom>
-        </p:spPr>
-        <p:style>
-          <a:lnRef idx="2">
-            <a:schemeClr val="accent1">
-              <a:shade val="50000"/>
-            </a:schemeClr>
-          </a:lnRef>
-          <a:fillRef idx="1">
-            <a:schemeClr val="accent1"/>
-          </a:fillRef>
-          <a:effectRef idx="0">
-            <a:schemeClr val="accent1"/>
-          </a:effectRef>
-          <a:fontRef idx="minor">
-            <a:schemeClr val="lt1"/>
-          </a:fontRef>
-        </p:style>
-        <p:txBody>
-          <a:bodyPr rtlCol="0" anchor="ctr"/>
-          <a:lstStyle/>
-          <a:p>
-            <a:pPr algn="ctr"/>
-            <a:endParaRPr lang="en-US"/>
-          </a:p>
-        </p:txBody>
-      </p:sp>
-      <p:sp>
-        <p:nvSpPr>
-          <p:cNvPr id="29" name="Down Arrow 28"/>
-          <p:cNvSpPr/>
-          <p:nvPr/>
-        </p:nvSpPr>
-        <p:spPr>
-          <a:xfrm>
-            <a:off x="5309765" y="1514297"/>
-            <a:ext cx="498856" cy="623775"/>
-          </a:xfrm>
-          <a:prstGeom prst="downArrow">
-            <a:avLst/>
-          </a:prstGeom>
-        </p:spPr>
-        <p:style>
-          <a:lnRef idx="2">
-            <a:schemeClr val="accent1">
-              <a:shade val="50000"/>
-            </a:schemeClr>
-          </a:lnRef>
-          <a:fillRef idx="1">
-            <a:schemeClr val="accent1"/>
-          </a:fillRef>
-          <a:effectRef idx="0">
-            <a:schemeClr val="accent1"/>
-          </a:effectRef>
-          <a:fontRef idx="minor">
-            <a:schemeClr val="lt1"/>
-          </a:fontRef>
-        </p:style>
-        <p:txBody>
-          <a:bodyPr rtlCol="0" anchor="ctr"/>
-          <a:lstStyle/>
-          <a:p>
-            <a:pPr algn="ctr"/>
-            <a:endParaRPr lang="en-US"/>
-          </a:p>
-        </p:txBody>
-      </p:sp>
-      <p:sp>
-        <p:nvSpPr>
-          <p:cNvPr id="30" name="Down Arrow 29"/>
-          <p:cNvSpPr/>
-          <p:nvPr/>
-        </p:nvSpPr>
-        <p:spPr>
-          <a:xfrm rot="3645118">
-            <a:off x="1568298" y="2570064"/>
-            <a:ext cx="539347" cy="1886267"/>
-          </a:xfrm>
-          <a:prstGeom prst="downArrow">
-            <a:avLst/>
-          </a:prstGeom>
-          <a:solidFill>
-            <a:schemeClr val="accent2"/>
-          </a:solidFill>
-        </p:spPr>
-        <p:style>
-          <a:lnRef idx="2">
-            <a:schemeClr val="accent1">
-              <a:shade val="50000"/>
-            </a:schemeClr>
-          </a:lnRef>
-          <a:fillRef idx="1">
-            <a:schemeClr val="accent1"/>
-          </a:fillRef>
-          <a:effectRef idx="0">
-            <a:schemeClr val="accent1"/>
-          </a:effectRef>
-          <a:fontRef idx="minor">
-            <a:schemeClr val="lt1"/>
-          </a:fontRef>
-        </p:style>
-        <p:txBody>
-          <a:bodyPr vert="vert270" rtlCol="0" anchor="ctr"/>
-          <a:lstStyle/>
-          <a:p>
-            <a:pPr algn="ctr"/>
-            <a:r>
-              <a:rPr lang="en-US" dirty="0" smtClean="0"/>
-              <a:t>Each frame</a:t>
-            </a:r>
-            <a:endParaRPr lang="en-US" dirty="0"/>
-          </a:p>
-        </p:txBody>
-      </p:sp>
-      <p:sp>
-        <p:nvSpPr>
-          <p:cNvPr id="32" name="Right Arrow 31"/>
-          <p:cNvSpPr/>
-          <p:nvPr/>
-        </p:nvSpPr>
-        <p:spPr>
-          <a:xfrm>
-            <a:off x="1774114" y="4445095"/>
-            <a:ext cx="596204" cy="247136"/>
-          </a:xfrm>
-          <a:prstGeom prst="rightArrow">
-            <a:avLst/>
-          </a:prstGeom>
-        </p:spPr>
-        <p:style>
-          <a:lnRef idx="2">
-            <a:schemeClr val="accent1">
-              <a:shade val="50000"/>
-            </a:schemeClr>
-          </a:lnRef>
-          <a:fillRef idx="1">
-            <a:schemeClr val="accent1"/>
-          </a:fillRef>
-          <a:effectRef idx="0">
-            <a:schemeClr val="accent1"/>
-          </a:effectRef>
-          <a:fontRef idx="minor">
-            <a:schemeClr val="lt1"/>
-          </a:fontRef>
-        </p:style>
-        <p:txBody>
-          <a:bodyPr rtlCol="0" anchor="ctr"/>
-          <a:lstStyle/>
-          <a:p>
-            <a:pPr algn="ctr"/>
-            <a:endParaRPr lang="en-US"/>
-          </a:p>
-        </p:txBody>
-      </p:sp>
-      <p:sp>
-        <p:nvSpPr>
-          <p:cNvPr id="33" name="Right Arrow 32"/>
-          <p:cNvSpPr/>
-          <p:nvPr/>
-        </p:nvSpPr>
-        <p:spPr>
-          <a:xfrm>
-            <a:off x="4132789" y="4445095"/>
-            <a:ext cx="596204" cy="247136"/>
-          </a:xfrm>
-          <a:prstGeom prst="rightArrow">
-            <a:avLst/>
-          </a:prstGeom>
-        </p:spPr>
-        <p:style>
-          <a:lnRef idx="2">
-            <a:schemeClr val="accent1">
-              <a:shade val="50000"/>
-            </a:schemeClr>
-          </a:lnRef>
-          <a:fillRef idx="1">
-            <a:schemeClr val="accent1"/>
-          </a:fillRef>
-          <a:effectRef idx="0">
-            <a:schemeClr val="accent1"/>
-          </a:effectRef>
-          <a:fontRef idx="minor">
-            <a:schemeClr val="lt1"/>
-          </a:fontRef>
-        </p:style>
-        <p:txBody>
-          <a:bodyPr rtlCol="0" anchor="ctr"/>
-          <a:lstStyle/>
-          <a:p>
-            <a:pPr algn="ctr"/>
-            <a:endParaRPr lang="en-US"/>
-          </a:p>
-        </p:txBody>
-      </p:sp>
-      <p:sp>
-        <p:nvSpPr>
-          <p:cNvPr id="34" name="Right Arrow 33"/>
-          <p:cNvSpPr/>
-          <p:nvPr/>
-        </p:nvSpPr>
-        <p:spPr>
-          <a:xfrm>
-            <a:off x="8244556" y="4445095"/>
-            <a:ext cx="596204" cy="247136"/>
-          </a:xfrm>
-          <a:prstGeom prst="rightArrow">
-            <a:avLst/>
-          </a:prstGeom>
-        </p:spPr>
-        <p:style>
-          <a:lnRef idx="2">
-            <a:schemeClr val="accent1">
-              <a:shade val="50000"/>
-            </a:schemeClr>
-          </a:lnRef>
-          <a:fillRef idx="1">
-            <a:schemeClr val="accent1"/>
-          </a:fillRef>
-          <a:effectRef idx="0">
-            <a:schemeClr val="accent1"/>
-          </a:effectRef>
-          <a:fontRef idx="minor">
-            <a:schemeClr val="lt1"/>
-          </a:fontRef>
-        </p:style>
-        <p:txBody>
-          <a:bodyPr rtlCol="0" anchor="ctr"/>
-          <a:lstStyle/>
-          <a:p>
-            <a:pPr algn="ctr"/>
-            <a:endParaRPr lang="en-US"/>
-          </a:p>
-        </p:txBody>
-      </p:sp>
-      <p:sp>
-        <p:nvSpPr>
-          <p:cNvPr id="35" name="Right Arrow 34"/>
-          <p:cNvSpPr/>
-          <p:nvPr/>
-        </p:nvSpPr>
-        <p:spPr>
-          <a:xfrm>
-            <a:off x="6270793" y="4445095"/>
-            <a:ext cx="596204" cy="247136"/>
-          </a:xfrm>
-          <a:prstGeom prst="rightArrow">
-            <a:avLst/>
-          </a:prstGeom>
-        </p:spPr>
-        <p:style>
-          <a:lnRef idx="2">
-            <a:schemeClr val="accent1">
-              <a:shade val="50000"/>
-            </a:schemeClr>
-          </a:lnRef>
-          <a:fillRef idx="1">
-            <a:schemeClr val="accent1"/>
-          </a:fillRef>
-          <a:effectRef idx="0">
-            <a:schemeClr val="accent1"/>
-          </a:effectRef>
-          <a:fontRef idx="minor">
-            <a:schemeClr val="lt1"/>
-          </a:fontRef>
-        </p:style>
-        <p:txBody>
-          <a:bodyPr rtlCol="0" anchor="ctr"/>
-          <a:lstStyle/>
-          <a:p>
-            <a:pPr algn="ctr"/>
-            <a:endParaRPr lang="en-US"/>
-          </a:p>
-        </p:txBody>
-      </p:sp>
-      <p:sp>
-        <p:nvSpPr>
-          <p:cNvPr id="36" name="Right Arrow 35"/>
-          <p:cNvSpPr/>
-          <p:nvPr/>
-        </p:nvSpPr>
-        <p:spPr>
-          <a:xfrm>
-            <a:off x="10333281" y="4456461"/>
-            <a:ext cx="565378" cy="247136"/>
-          </a:xfrm>
-          <a:prstGeom prst="rightArrow">
-            <a:avLst/>
-          </a:prstGeom>
-        </p:spPr>
-        <p:style>
-          <a:lnRef idx="2">
-            <a:schemeClr val="accent1">
-              <a:shade val="50000"/>
-            </a:schemeClr>
-          </a:lnRef>
-          <a:fillRef idx="1">
-            <a:schemeClr val="accent1"/>
-          </a:fillRef>
-          <a:effectRef idx="0">
-            <a:schemeClr val="accent1"/>
-          </a:effectRef>
-          <a:fontRef idx="minor">
-            <a:schemeClr val="lt1"/>
-          </a:fontRef>
-        </p:style>
-        <p:txBody>
-          <a:bodyPr rtlCol="0" anchor="ctr"/>
-          <a:lstStyle/>
-          <a:p>
-            <a:pPr algn="ctr"/>
-            <a:endParaRPr lang="en-US"/>
-          </a:p>
-        </p:txBody>
-      </p:sp>
-      <p:sp>
-        <p:nvSpPr>
-          <p:cNvPr id="38" name="Rectangle 37"/>
-          <p:cNvSpPr/>
-          <p:nvPr/>
-        </p:nvSpPr>
-        <p:spPr>
-          <a:xfrm>
-            <a:off x="10947805" y="4228692"/>
-            <a:ext cx="1120627" cy="728950"/>
-          </a:xfrm>
-          <a:prstGeom prst="rect">
-            <a:avLst/>
-          </a:prstGeom>
-        </p:spPr>
-        <p:style>
-          <a:lnRef idx="2">
-            <a:schemeClr val="accent1">
-              <a:shade val="50000"/>
-            </a:schemeClr>
-          </a:lnRef>
-          <a:fillRef idx="1">
-            <a:schemeClr val="accent1"/>
-          </a:fillRef>
-          <a:effectRef idx="0">
-            <a:schemeClr val="accent1"/>
-          </a:effectRef>
-          <a:fontRef idx="minor">
-            <a:schemeClr val="lt1"/>
-          </a:fontRef>
-        </p:style>
-        <p:txBody>
-          <a:bodyPr rtlCol="0" anchor="ctr"/>
-          <a:lstStyle/>
-          <a:p>
-            <a:pPr algn="ctr"/>
-            <a:r>
-              <a:rPr lang="en-US" dirty="0" smtClean="0"/>
-              <a:t>Playback the sound</a:t>
-            </a:r>
-            <a:endParaRPr lang="en-US" dirty="0"/>
-          </a:p>
-        </p:txBody>
-      </p:sp>
-      <p:pic>
-        <p:nvPicPr>
-          <p:cNvPr id="39" name="Picture 38"/>
-          <p:cNvPicPr>
-            <a:picLocks noChangeAspect="1"/>
-          </p:cNvPicPr>
-          <p:nvPr/>
-        </p:nvPicPr>
-        <p:blipFill>
-          <a:blip r:embed="rId4"/>
-          <a:stretch>
-            <a:fillRect/>
-          </a:stretch>
-        </p:blipFill>
-        <p:spPr>
-          <a:xfrm>
-            <a:off x="5347585" y="2622996"/>
-            <a:ext cx="768971" cy="224283"/>
-          </a:xfrm>
-          <a:prstGeom prst="rect">
-            <a:avLst/>
-          </a:prstGeom>
-        </p:spPr>
-      </p:pic>
-      <p:pic>
-        <p:nvPicPr>
-          <p:cNvPr id="40" name="Picture 39"/>
-          <p:cNvPicPr>
-            <a:picLocks noChangeAspect="1"/>
-          </p:cNvPicPr>
-          <p:nvPr/>
-        </p:nvPicPr>
-        <p:blipFill>
-          <a:blip r:embed="rId4"/>
-          <a:stretch>
-            <a:fillRect/>
-          </a:stretch>
-        </p:blipFill>
-        <p:spPr>
-          <a:xfrm>
-            <a:off x="6262163" y="2662119"/>
-            <a:ext cx="793810" cy="231528"/>
-          </a:xfrm>
-          <a:prstGeom prst="rect">
-            <a:avLst/>
-          </a:prstGeom>
-        </p:spPr>
-      </p:pic>
-      <p:pic>
-        <p:nvPicPr>
-          <p:cNvPr id="41" name="Picture 40"/>
-          <p:cNvPicPr>
-            <a:picLocks noChangeAspect="1"/>
-          </p:cNvPicPr>
-          <p:nvPr/>
-        </p:nvPicPr>
-        <p:blipFill>
-          <a:blip r:embed="rId4"/>
-          <a:stretch>
-            <a:fillRect/>
-          </a:stretch>
-        </p:blipFill>
-        <p:spPr>
-          <a:xfrm>
-            <a:off x="7181837" y="2774548"/>
-            <a:ext cx="872918" cy="254601"/>
-          </a:xfrm>
-          <a:prstGeom prst="rect">
-            <a:avLst/>
-          </a:prstGeom>
-        </p:spPr>
-      </p:pic>
-      <p:pic>
-        <p:nvPicPr>
-          <p:cNvPr id="42" name="Picture 41"/>
-          <p:cNvPicPr>
-            <a:picLocks noChangeAspect="1"/>
-          </p:cNvPicPr>
-          <p:nvPr/>
-        </p:nvPicPr>
-        <p:blipFill>
-          <a:blip r:embed="rId4"/>
-          <a:stretch>
-            <a:fillRect/>
-          </a:stretch>
-        </p:blipFill>
-        <p:spPr>
-          <a:xfrm>
-            <a:off x="8154528" y="2869937"/>
-            <a:ext cx="781975" cy="228076"/>
-          </a:xfrm>
-          <a:prstGeom prst="rect">
-            <a:avLst/>
-          </a:prstGeom>
-        </p:spPr>
-      </p:pic>
-      <p:pic>
-        <p:nvPicPr>
-          <p:cNvPr id="43" name="Picture 42"/>
-          <p:cNvPicPr>
-            <a:picLocks noChangeAspect="1"/>
-          </p:cNvPicPr>
-          <p:nvPr/>
-        </p:nvPicPr>
-        <p:blipFill>
-          <a:blip r:embed="rId4"/>
-          <a:stretch>
-            <a:fillRect/>
-          </a:stretch>
-        </p:blipFill>
-        <p:spPr>
-          <a:xfrm>
-            <a:off x="4378161" y="2540413"/>
-            <a:ext cx="813089" cy="237151"/>
-          </a:xfrm>
-          <a:prstGeom prst="rect">
-            <a:avLst/>
-          </a:prstGeom>
-        </p:spPr>
-      </p:pic>
-      <p:sp>
-        <p:nvSpPr>
-          <p:cNvPr id="44" name="Rectangle 43"/>
-          <p:cNvSpPr/>
-          <p:nvPr/>
-        </p:nvSpPr>
-        <p:spPr>
-          <a:xfrm>
-            <a:off x="790832" y="105127"/>
-            <a:ext cx="1667497" cy="226985"/>
-          </a:xfrm>
-          <a:prstGeom prst="rect">
-            <a:avLst/>
-          </a:prstGeom>
-        </p:spPr>
-        <p:style>
-          <a:lnRef idx="2">
-            <a:schemeClr val="accent1">
-              <a:shade val="50000"/>
-            </a:schemeClr>
-          </a:lnRef>
-          <a:fillRef idx="1">
-            <a:schemeClr val="accent1"/>
-          </a:fillRef>
-          <a:effectRef idx="0">
-            <a:schemeClr val="accent1"/>
-          </a:effectRef>
-          <a:fontRef idx="minor">
-            <a:schemeClr val="lt1"/>
-          </a:fontRef>
-        </p:style>
-        <p:txBody>
-          <a:bodyPr rtlCol="0" anchor="ctr"/>
-          <a:lstStyle/>
-          <a:p>
             <a:pPr algn="ctr"/>
             <a:r>
               <a:rPr lang="en-US" dirty="0" smtClean="0"/>
@@ -4211,8 +3787,8 @@
         </p:nvSpPr>
         <p:spPr>
           <a:xfrm>
-            <a:off x="98697" y="5053283"/>
-            <a:ext cx="1906734" cy="1405720"/>
+            <a:off x="10387914" y="1124686"/>
+            <a:ext cx="1804086" cy="1405720"/>
           </a:xfrm>
           <a:prstGeom prst="roundRect">
             <a:avLst/>
@@ -4294,8 +3870,8 @@
         </p:nvSpPr>
         <p:spPr>
           <a:xfrm>
-            <a:off x="2175105" y="5053283"/>
-            <a:ext cx="2152896" cy="1405720"/>
+            <a:off x="-2111" y="3565490"/>
+            <a:ext cx="2253155" cy="715998"/>
           </a:xfrm>
           <a:prstGeom prst="roundRect">
             <a:avLst/>
@@ -4344,7 +3920,17 @@
                   </a:schemeClr>
                 </a:solidFill>
               </a:rPr>
-              <a:t>- New image that has the ‘Casio’ match with the reference</a:t>
+              <a:t>- </a:t>
+            </a:r>
+            <a:r>
+              <a:rPr lang="en-US" dirty="0" smtClean="0">
+                <a:solidFill>
+                  <a:schemeClr val="accent1">
+                    <a:lumMod val="75000"/>
+                  </a:schemeClr>
+                </a:solidFill>
+              </a:rPr>
+              <a:t>Stabilize according to reference frame</a:t>
             </a:r>
             <a:endParaRPr lang="en-US" dirty="0">
               <a:solidFill>
@@ -4364,8 +3950,8 @@
         </p:nvSpPr>
         <p:spPr>
           <a:xfrm>
-            <a:off x="4497675" y="5065691"/>
-            <a:ext cx="1829170" cy="1405720"/>
+            <a:off x="2500357" y="3578627"/>
+            <a:ext cx="1937864" cy="702861"/>
           </a:xfrm>
           <a:prstGeom prst="roundRect">
             <a:avLst/>
@@ -4414,7 +4000,7 @@
                   </a:schemeClr>
                 </a:solidFill>
               </a:rPr>
-              <a:t>- Using color detection to detect the hand</a:t>
+              <a:t>- Use color detection</a:t>
             </a:r>
             <a:endParaRPr lang="en-US" dirty="0">
               <a:solidFill>
@@ -4434,8 +4020,8 @@
         </p:nvSpPr>
         <p:spPr>
           <a:xfrm>
-            <a:off x="6496519" y="5053283"/>
-            <a:ext cx="1906734" cy="1405720"/>
+            <a:off x="4626385" y="3578627"/>
+            <a:ext cx="3665503" cy="702861"/>
           </a:xfrm>
           <a:prstGeom prst="roundRect">
             <a:avLst/>
@@ -4484,9 +4070,22 @@
                   </a:schemeClr>
                 </a:solidFill>
               </a:rPr>
-              <a:t>- Taking the different of the current frame from the previous frame</a:t>
-            </a:r>
-            <a:endParaRPr lang="en-US" dirty="0">
+              <a:t>-Apply “No-Hand” mask</a:t>
+            </a:r>
+          </a:p>
+          <a:p>
+            <a:pPr algn="ctr"/>
+            <a:r>
+              <a:rPr lang="en-US" dirty="0" smtClean="0">
+                <a:solidFill>
+                  <a:schemeClr val="accent1">
+                    <a:lumMod val="75000"/>
+                  </a:schemeClr>
+                </a:solidFill>
+              </a:rPr>
+              <a:t>-Convert to Black and White image</a:t>
+            </a:r>
+            <a:endParaRPr lang="en-US" dirty="0" smtClean="0">
               <a:solidFill>
                 <a:schemeClr val="accent1">
                   <a:lumMod val="75000"/>
@@ -4504,8 +4103,8 @@
         </p:nvSpPr>
         <p:spPr>
           <a:xfrm>
-            <a:off x="8467472" y="5053283"/>
-            <a:ext cx="2431187" cy="1405720"/>
+            <a:off x="261905" y="5232348"/>
+            <a:ext cx="3653272" cy="1405720"/>
           </a:xfrm>
           <a:prstGeom prst="roundRect">
             <a:avLst/>
@@ -4609,8 +4208,232 @@
         </p:nvSpPr>
         <p:spPr>
           <a:xfrm>
-            <a:off x="10898659" y="5053283"/>
-            <a:ext cx="1293341" cy="1405720"/>
+            <a:off x="9808142" y="5909261"/>
+            <a:ext cx="1988266" cy="838715"/>
+          </a:xfrm>
+          <a:prstGeom prst="roundRect">
+            <a:avLst/>
+          </a:prstGeom>
+          <a:solidFill>
+            <a:schemeClr val="accent6">
+              <a:lumMod val="40000"/>
+              <a:lumOff val="60000"/>
+            </a:schemeClr>
+          </a:solidFill>
+          <a:ln>
+            <a:solidFill>
+              <a:schemeClr val="tx2">
+                <a:lumMod val="20000"/>
+                <a:lumOff val="80000"/>
+              </a:schemeClr>
+            </a:solidFill>
+          </a:ln>
+        </p:spPr>
+        <p:style>
+          <a:lnRef idx="2">
+            <a:schemeClr val="accent1">
+              <a:shade val="50000"/>
+            </a:schemeClr>
+          </a:lnRef>
+          <a:fillRef idx="1">
+            <a:schemeClr val="accent1"/>
+          </a:fillRef>
+          <a:effectRef idx="0">
+            <a:schemeClr val="accent1"/>
+          </a:effectRef>
+          <a:fontRef idx="minor">
+            <a:schemeClr val="lt1"/>
+          </a:fontRef>
+        </p:style>
+        <p:txBody>
+          <a:bodyPr rtlCol="0" anchor="ctr"/>
+          <a:lstStyle/>
+          <a:p>
+            <a:pPr algn="ctr"/>
+            <a:r>
+              <a:rPr lang="en-US" sz="1600" dirty="0" smtClean="0">
+                <a:solidFill>
+                  <a:schemeClr val="accent1">
+                    <a:lumMod val="75000"/>
+                  </a:schemeClr>
+                </a:solidFill>
+              </a:rPr>
+              <a:t>-playback the sound using MIDI</a:t>
+            </a:r>
+            <a:endParaRPr lang="en-US" sz="1600" dirty="0">
+              <a:solidFill>
+                <a:schemeClr val="accent1">
+                  <a:lumMod val="75000"/>
+                </a:schemeClr>
+              </a:solidFill>
+            </a:endParaRPr>
+          </a:p>
+        </p:txBody>
+      </p:sp>
+      <p:sp>
+        <p:nvSpPr>
+          <p:cNvPr id="53" name="Rectangle 52"/>
+          <p:cNvSpPr/>
+          <p:nvPr/>
+        </p:nvSpPr>
+        <p:spPr>
+          <a:xfrm>
+            <a:off x="8403253" y="133155"/>
+            <a:ext cx="1796874" cy="938683"/>
+          </a:xfrm>
+          <a:prstGeom prst="rect">
+            <a:avLst/>
+          </a:prstGeom>
+        </p:spPr>
+        <p:style>
+          <a:lnRef idx="2">
+            <a:schemeClr val="accent1">
+              <a:shade val="50000"/>
+            </a:schemeClr>
+          </a:lnRef>
+          <a:fillRef idx="1">
+            <a:schemeClr val="accent1"/>
+          </a:fillRef>
+          <a:effectRef idx="0">
+            <a:schemeClr val="accent1"/>
+          </a:effectRef>
+          <a:fontRef idx="minor">
+            <a:schemeClr val="lt1"/>
+          </a:fontRef>
+        </p:style>
+        <p:txBody>
+          <a:bodyPr rtlCol="0" anchor="ctr"/>
+          <a:lstStyle/>
+          <a:p>
+            <a:pPr algn="ctr"/>
+            <a:r>
+              <a:rPr lang="en-US" dirty="0" smtClean="0"/>
+              <a:t>Create </a:t>
+            </a:r>
+            <a:r>
+              <a:rPr lang="en-US" dirty="0" smtClean="0"/>
+              <a:t>note map using the 1</a:t>
+            </a:r>
+            <a:r>
+              <a:rPr lang="en-US" baseline="30000" dirty="0" smtClean="0"/>
+              <a:t>st</a:t>
+            </a:r>
+            <a:r>
+              <a:rPr lang="en-US" dirty="0" smtClean="0"/>
+              <a:t> frame </a:t>
+            </a:r>
+            <a:endParaRPr lang="en-US" dirty="0"/>
+          </a:p>
+        </p:txBody>
+      </p:sp>
+      <p:sp>
+        <p:nvSpPr>
+          <p:cNvPr id="14" name="Rectangle 13"/>
+          <p:cNvSpPr/>
+          <p:nvPr/>
+        </p:nvSpPr>
+        <p:spPr>
+          <a:xfrm>
+            <a:off x="5780840" y="177850"/>
+            <a:ext cx="1733265" cy="777923"/>
+          </a:xfrm>
+          <a:prstGeom prst="rect">
+            <a:avLst/>
+          </a:prstGeom>
+          <a:solidFill>
+            <a:schemeClr val="accent1">
+              <a:lumMod val="60000"/>
+              <a:lumOff val="40000"/>
+            </a:schemeClr>
+          </a:solidFill>
+        </p:spPr>
+        <p:style>
+          <a:lnRef idx="2">
+            <a:schemeClr val="accent1">
+              <a:shade val="50000"/>
+            </a:schemeClr>
+          </a:lnRef>
+          <a:fillRef idx="1">
+            <a:schemeClr val="accent1"/>
+          </a:fillRef>
+          <a:effectRef idx="0">
+            <a:schemeClr val="accent1"/>
+          </a:effectRef>
+          <a:fontRef idx="minor">
+            <a:schemeClr val="lt1"/>
+          </a:fontRef>
+        </p:style>
+        <p:txBody>
+          <a:bodyPr rtlCol="0" anchor="ctr"/>
+          <a:lstStyle/>
+          <a:p>
+            <a:pPr algn="ctr"/>
+            <a:r>
+              <a:rPr lang="en-US" dirty="0" smtClean="0"/>
+              <a:t>1</a:t>
+            </a:r>
+            <a:r>
+              <a:rPr lang="en-US" baseline="30000" dirty="0" smtClean="0"/>
+              <a:t>st</a:t>
+            </a:r>
+            <a:r>
+              <a:rPr lang="en-US" dirty="0" smtClean="0"/>
+              <a:t> frame</a:t>
+            </a:r>
+            <a:endParaRPr lang="en-US" dirty="0"/>
+          </a:p>
+        </p:txBody>
+      </p:sp>
+      <p:sp>
+        <p:nvSpPr>
+          <p:cNvPr id="51" name="Right Arrow 50"/>
+          <p:cNvSpPr/>
+          <p:nvPr/>
+        </p:nvSpPr>
+        <p:spPr>
+          <a:xfrm>
+            <a:off x="7213424" y="332112"/>
+            <a:ext cx="1189829" cy="461319"/>
+          </a:xfrm>
+          <a:prstGeom prst="rightArrow">
+            <a:avLst/>
+          </a:prstGeom>
+        </p:spPr>
+        <p:style>
+          <a:lnRef idx="2">
+            <a:schemeClr val="accent1">
+              <a:shade val="50000"/>
+            </a:schemeClr>
+          </a:lnRef>
+          <a:fillRef idx="1">
+            <a:schemeClr val="accent1"/>
+          </a:fillRef>
+          <a:effectRef idx="0">
+            <a:schemeClr val="accent1"/>
+          </a:effectRef>
+          <a:fontRef idx="minor">
+            <a:schemeClr val="lt1"/>
+          </a:fontRef>
+        </p:style>
+        <p:txBody>
+          <a:bodyPr rtlCol="0" anchor="ctr"/>
+          <a:lstStyle/>
+          <a:p>
+            <a:pPr algn="ctr"/>
+            <a:endParaRPr lang="en-US"/>
+          </a:p>
+        </p:txBody>
+      </p:sp>
+      <p:sp>
+        <p:nvSpPr>
+          <p:cNvPr id="55" name="Rounded Rectangle 54"/>
+          <p:cNvSpPr/>
+          <p:nvPr/>
+        </p:nvSpPr>
+        <p:spPr>
+          <a:xfrm>
+            <a:off x="8281728" y="1131134"/>
+            <a:ext cx="1982618" cy="1405720"/>
           </a:xfrm>
           <a:prstGeom prst="roundRect">
             <a:avLst/>
@@ -4652,32 +4475,287 @@
           <a:p>
             <a:pPr algn="ctr"/>
             <a:r>
-              <a:rPr lang="en-US" sz="1600" dirty="0" smtClean="0">
+              <a:rPr lang="en-US" dirty="0" smtClean="0">
                 <a:solidFill>
                   <a:schemeClr val="accent1">
                     <a:lumMod val="75000"/>
                   </a:schemeClr>
                 </a:solidFill>
               </a:rPr>
-              <a:t>-playback the sound using </a:t>
-            </a:r>
-            <a:r>
-              <a:rPr lang="en-US" sz="1600" dirty="0" smtClean="0">
+              <a:t>-Edge Detection </a:t>
+            </a:r>
+          </a:p>
+          <a:p>
+            <a:pPr algn="ctr"/>
+            <a:r>
+              <a:rPr lang="en-US" dirty="0" smtClean="0">
                 <a:solidFill>
                   <a:schemeClr val="accent1">
                     <a:lumMod val="75000"/>
                   </a:schemeClr>
                 </a:solidFill>
               </a:rPr>
-              <a:t>MIDI</a:t>
-            </a:r>
-            <a:endParaRPr lang="en-US" sz="1600" dirty="0">
+              <a:t>-Boundary detection</a:t>
+            </a:r>
+          </a:p>
+          <a:p>
+            <a:pPr algn="ctr"/>
+            <a:r>
+              <a:rPr lang="en-US" dirty="0" smtClean="0">
+                <a:solidFill>
+                  <a:schemeClr val="accent1">
+                    <a:lumMod val="75000"/>
+                  </a:schemeClr>
+                </a:solidFill>
+              </a:rPr>
+              <a:t>-Canny detection</a:t>
+            </a:r>
+            <a:endParaRPr lang="en-US" dirty="0" smtClean="0">
               <a:solidFill>
                 <a:schemeClr val="accent1">
                   <a:lumMod val="75000"/>
                 </a:schemeClr>
               </a:solidFill>
             </a:endParaRPr>
+          </a:p>
+        </p:txBody>
+      </p:sp>
+      <p:sp>
+        <p:nvSpPr>
+          <p:cNvPr id="56" name="Rectangle 55"/>
+          <p:cNvSpPr/>
+          <p:nvPr/>
+        </p:nvSpPr>
+        <p:spPr>
+          <a:xfrm>
+            <a:off x="5157073" y="4447675"/>
+            <a:ext cx="1354651" cy="728950"/>
+          </a:xfrm>
+          <a:prstGeom prst="rect">
+            <a:avLst/>
+          </a:prstGeom>
+        </p:spPr>
+        <p:style>
+          <a:lnRef idx="2">
+            <a:schemeClr val="accent1">
+              <a:shade val="50000"/>
+            </a:schemeClr>
+          </a:lnRef>
+          <a:fillRef idx="1">
+            <a:schemeClr val="accent1"/>
+          </a:fillRef>
+          <a:effectRef idx="0">
+            <a:schemeClr val="accent1"/>
+          </a:effectRef>
+          <a:fontRef idx="minor">
+            <a:schemeClr val="lt1"/>
+          </a:fontRef>
+        </p:style>
+        <p:txBody>
+          <a:bodyPr rtlCol="0" anchor="ctr"/>
+          <a:lstStyle/>
+          <a:p>
+            <a:pPr algn="ctr"/>
+            <a:r>
+              <a:rPr lang="en-US" dirty="0" smtClean="0"/>
+              <a:t>Note Correlation</a:t>
+            </a:r>
+            <a:endParaRPr lang="en-US" dirty="0"/>
+          </a:p>
+        </p:txBody>
+      </p:sp>
+      <p:sp>
+        <p:nvSpPr>
+          <p:cNvPr id="57" name="Rectangle 56"/>
+          <p:cNvSpPr/>
+          <p:nvPr/>
+        </p:nvSpPr>
+        <p:spPr>
+          <a:xfrm>
+            <a:off x="9749884" y="3578627"/>
+            <a:ext cx="2193240" cy="728950"/>
+          </a:xfrm>
+          <a:prstGeom prst="rect">
+            <a:avLst/>
+          </a:prstGeom>
+          <a:solidFill>
+            <a:srgbClr val="00B050"/>
+          </a:solidFill>
+        </p:spPr>
+        <p:style>
+          <a:lnRef idx="2">
+            <a:schemeClr val="accent1">
+              <a:shade val="50000"/>
+            </a:schemeClr>
+          </a:lnRef>
+          <a:fillRef idx="1">
+            <a:schemeClr val="accent1"/>
+          </a:fillRef>
+          <a:effectRef idx="0">
+            <a:schemeClr val="accent1"/>
+          </a:effectRef>
+          <a:fontRef idx="minor">
+            <a:schemeClr val="lt1"/>
+          </a:fontRef>
+        </p:style>
+        <p:txBody>
+          <a:bodyPr rtlCol="0" anchor="ctr"/>
+          <a:lstStyle/>
+          <a:p>
+            <a:pPr algn="ctr"/>
+            <a:r>
+              <a:rPr lang="en-US" dirty="0" smtClean="0"/>
+              <a:t>Result and Evaluation</a:t>
+            </a:r>
+            <a:endParaRPr lang="en-US" dirty="0"/>
+          </a:p>
+        </p:txBody>
+      </p:sp>
+      <p:sp>
+        <p:nvSpPr>
+          <p:cNvPr id="58" name="Rounded Rectangle 57"/>
+          <p:cNvSpPr/>
+          <p:nvPr/>
+        </p:nvSpPr>
+        <p:spPr>
+          <a:xfrm>
+            <a:off x="4013319" y="5232348"/>
+            <a:ext cx="3642157" cy="1405720"/>
+          </a:xfrm>
+          <a:prstGeom prst="roundRect">
+            <a:avLst/>
+          </a:prstGeom>
+          <a:solidFill>
+            <a:schemeClr val="accent1">
+              <a:lumMod val="20000"/>
+              <a:lumOff val="80000"/>
+            </a:schemeClr>
+          </a:solidFill>
+          <a:ln>
+            <a:solidFill>
+              <a:schemeClr val="tx2">
+                <a:lumMod val="20000"/>
+                <a:lumOff val="80000"/>
+              </a:schemeClr>
+            </a:solidFill>
+          </a:ln>
+        </p:spPr>
+        <p:style>
+          <a:lnRef idx="2">
+            <a:schemeClr val="accent1">
+              <a:shade val="50000"/>
+            </a:schemeClr>
+          </a:lnRef>
+          <a:fillRef idx="1">
+            <a:schemeClr val="accent1"/>
+          </a:fillRef>
+          <a:effectRef idx="0">
+            <a:schemeClr val="accent1"/>
+          </a:effectRef>
+          <a:fontRef idx="minor">
+            <a:schemeClr val="lt1"/>
+          </a:fontRef>
+        </p:style>
+        <p:txBody>
+          <a:bodyPr rtlCol="0" anchor="ctr"/>
+          <a:lstStyle/>
+          <a:p>
+            <a:pPr marL="285750" indent="-285750" algn="ctr">
+              <a:buFontTx/>
+              <a:buChar char="-"/>
+            </a:pPr>
+            <a:r>
+              <a:rPr lang="en-US" sz="1500" dirty="0" smtClean="0">
+                <a:solidFill>
+                  <a:schemeClr val="accent1">
+                    <a:lumMod val="75000"/>
+                  </a:schemeClr>
+                </a:solidFill>
+              </a:rPr>
+              <a:t>Reducing dimension of the difference</a:t>
+            </a:r>
+          </a:p>
+          <a:p>
+            <a:pPr marL="285750" indent="-285750" algn="ctr">
+              <a:buFontTx/>
+              <a:buChar char="-"/>
+            </a:pPr>
+            <a:r>
+              <a:rPr lang="en-US" sz="1500" dirty="0" smtClean="0">
+                <a:solidFill>
+                  <a:schemeClr val="accent1">
+                    <a:lumMod val="75000"/>
+                  </a:schemeClr>
+                </a:solidFill>
+              </a:rPr>
+              <a:t>Find index of max value</a:t>
+            </a:r>
+          </a:p>
+          <a:p>
+            <a:pPr marL="285750" indent="-285750" algn="ctr">
+              <a:buFontTx/>
+              <a:buChar char="-"/>
+            </a:pPr>
+            <a:r>
+              <a:rPr lang="en-US" sz="1500" dirty="0" smtClean="0">
+                <a:solidFill>
+                  <a:schemeClr val="accent1">
+                    <a:lumMod val="75000"/>
+                  </a:schemeClr>
+                </a:solidFill>
+              </a:rPr>
+              <a:t>Map index with the corresponding location  </a:t>
+            </a:r>
+            <a:endParaRPr lang="en-US" sz="1500" dirty="0">
+              <a:solidFill>
+                <a:schemeClr val="accent1">
+                  <a:lumMod val="75000"/>
+                </a:schemeClr>
+              </a:solidFill>
+            </a:endParaRPr>
+          </a:p>
+        </p:txBody>
+      </p:sp>
+      <p:sp>
+        <p:nvSpPr>
+          <p:cNvPr id="2" name="Right Arrow 1"/>
+          <p:cNvSpPr/>
+          <p:nvPr/>
+        </p:nvSpPr>
+        <p:spPr>
+          <a:xfrm>
+            <a:off x="8032300" y="4627448"/>
+            <a:ext cx="1900514" cy="751363"/>
+          </a:xfrm>
+          <a:prstGeom prst="rightArrow">
+            <a:avLst/>
+          </a:prstGeom>
+          <a:solidFill>
+            <a:srgbClr val="FF0000"/>
+          </a:solidFill>
+        </p:spPr>
+        <p:style>
+          <a:lnRef idx="2">
+            <a:schemeClr val="accent1">
+              <a:shade val="50000"/>
+            </a:schemeClr>
+          </a:lnRef>
+          <a:fillRef idx="1">
+            <a:schemeClr val="accent1"/>
+          </a:fillRef>
+          <a:effectRef idx="0">
+            <a:schemeClr val="accent1"/>
+          </a:effectRef>
+          <a:fontRef idx="minor">
+            <a:schemeClr val="lt1"/>
+          </a:fontRef>
+        </p:style>
+        <p:txBody>
+          <a:bodyPr rtlCol="0" anchor="ctr"/>
+          <a:lstStyle/>
+          <a:p>
+            <a:pPr algn="ctr"/>
+            <a:endParaRPr lang="en-US"/>
           </a:p>
         </p:txBody>
       </p:sp>
@@ -4949,7 +5027,7 @@
   <a:extraClrSchemeLst/>
   <a:extLst>
     <a:ext uri="{05A4C25C-085E-4340-85A3-A5531E510DB2}">
-      <thm15:themeFamily xmlns:thm15="http://schemas.microsoft.com/office/thememl/2012/main" name="Office Theme" id="{62F939B6-93AF-4DB8-9C6B-D6C7DFDC589F}" vid="{4A3C46E8-61CC-4603-A589-7422A47A8E4A}"/>
+      <thm15:themeFamily xmlns:thm15="http://schemas.microsoft.com/office/thememl/2012/main" xmlns="" name="Office Theme" id="{62F939B6-93AF-4DB8-9C6B-D6C7DFDC589F}" vid="{4A3C46E8-61CC-4603-A589-7422A47A8E4A}"/>
     </a:ext>
   </a:extLst>
 </a:theme>
